--- a/Presentations/Boulder_2025/2025_October_Chair_Slides_GeoPoseSWG.pptx
+++ b/Presentations/Boulder_2025/2025_October_Chair_Slides_GeoPoseSWG.pptx
@@ -5,10 +5,10 @@
     <p:sldMasterId id="2147483648" r:id="rId4"/>
   </p:sldMasterIdLst>
   <p:notesMasterIdLst>
-    <p:notesMasterId r:id="rId15"/>
+    <p:notesMasterId r:id="rId18"/>
   </p:notesMasterIdLst>
   <p:handoutMasterIdLst>
-    <p:handoutMasterId r:id="rId16"/>
+    <p:handoutMasterId r:id="rId19"/>
   </p:handoutMasterIdLst>
   <p:sldIdLst>
     <p:sldId id="379" r:id="rId5"/>
@@ -16,21 +16,24 @@
     <p:sldId id="402" r:id="rId7"/>
     <p:sldId id="405" r:id="rId8"/>
     <p:sldId id="362" r:id="rId9"/>
-    <p:sldId id="403" r:id="rId10"/>
-    <p:sldId id="406" r:id="rId11"/>
-    <p:sldId id="407" r:id="rId12"/>
-    <p:sldId id="408" r:id="rId13"/>
-    <p:sldId id="348" r:id="rId14"/>
+    <p:sldId id="410" r:id="rId10"/>
+    <p:sldId id="411" r:id="rId11"/>
+    <p:sldId id="348" r:id="rId12"/>
+    <p:sldId id="403" r:id="rId13"/>
+    <p:sldId id="409" r:id="rId14"/>
+    <p:sldId id="406" r:id="rId15"/>
+    <p:sldId id="407" r:id="rId16"/>
+    <p:sldId id="408" r:id="rId17"/>
   </p:sldIdLst>
   <p:sldSz cx="18288000" cy="10287000"/>
   <p:notesSz cx="6858000" cy="9144000"/>
   <p:embeddedFontLst>
     <p:embeddedFont>
       <p:font typeface="Aptos SemiBold" panose="020B0004020202020204" pitchFamily="34" charset="0"/>
-      <p:regular r:id="rId17"/>
-      <p:bold r:id="rId18"/>
-      <p:italic r:id="rId19"/>
-      <p:boldItalic r:id="rId20"/>
+      <p:regular r:id="rId20"/>
+      <p:bold r:id="rId21"/>
+      <p:italic r:id="rId22"/>
+      <p:boldItalic r:id="rId23"/>
     </p:embeddedFont>
   </p:embeddedFontLst>
   <p:defaultTextStyle>
@@ -2586,7 +2589,7 @@
           <a:p>
             <a:r>
               <a:rPr lang="en-US" dirty="0"/>
-              <a:t>Steve Smyth</a:t>
+              <a:t>Christine Perey, Steve Smyth</a:t>
             </a:r>
             <a:br>
               <a:rPr lang="en-US" dirty="0"/>
@@ -2920,6 +2923,137 @@
   <p:cSld>
     <p:spTree>
       <p:nvGrpSpPr>
+        <p:cNvPr id="1" name="">
+          <a:extLst>
+            <a:ext uri="{FF2B5EF4-FFF2-40B4-BE49-F238E27FC236}">
+              <a16:creationId xmlns:a16="http://schemas.microsoft.com/office/drawing/2014/main" id="{A35A197D-0862-7FEB-D5B1-5A1519BD03FF}"/>
+            </a:ext>
+          </a:extLst>
+        </p:cNvPr>
+        <p:cNvGrpSpPr/>
+        <p:nvPr/>
+      </p:nvGrpSpPr>
+      <p:grpSpPr>
+        <a:xfrm>
+          <a:off x="0" y="0"/>
+          <a:ext cx="0" cy="0"/>
+          <a:chOff x="0" y="0"/>
+          <a:chExt cx="0" cy="0"/>
+        </a:xfrm>
+      </p:grpSpPr>
+      <p:sp>
+        <p:nvSpPr>
+          <p:cNvPr id="2" name="Text Placeholder 1">
+            <a:extLst>
+              <a:ext uri="{FF2B5EF4-FFF2-40B4-BE49-F238E27FC236}">
+                <a16:creationId xmlns:a16="http://schemas.microsoft.com/office/drawing/2014/main" id="{14BB9346-2B36-BCFB-D3BC-2639E0E8C157}"/>
+              </a:ext>
+            </a:extLst>
+          </p:cNvPr>
+          <p:cNvSpPr>
+            <a:spLocks noGrp="1"/>
+          </p:cNvSpPr>
+          <p:nvPr>
+            <p:ph type="body" idx="16"/>
+          </p:nvPr>
+        </p:nvSpPr>
+        <p:spPr/>
+        <p:txBody>
+          <a:bodyPr/>
+          <a:lstStyle/>
+          <a:p>
+            <a:r>
+              <a:rPr lang="en-US" dirty="0"/>
+              <a:t>The &lt;DWG or SWG name&gt; approves &lt;an action&gt;.</a:t>
+            </a:r>
+          </a:p>
+          <a:p>
+            <a:pPr lvl="1"/>
+            <a:r>
+              <a:rPr lang="en-US" dirty="0"/>
+              <a:t>Motion: &lt;Name of person making the motion&gt; </a:t>
+            </a:r>
+          </a:p>
+          <a:p>
+            <a:pPr lvl="1"/>
+            <a:r>
+              <a:rPr lang="en-US" dirty="0"/>
+              <a:t>Second: &lt;name of the person seconding the motion&gt; </a:t>
+            </a:r>
+          </a:p>
+          <a:p>
+            <a:pPr lvl="1"/>
+            <a:r>
+              <a:rPr lang="en-US" dirty="0"/>
+              <a:t>Discussion: </a:t>
+            </a:r>
+          </a:p>
+          <a:p>
+            <a:r>
+              <a:rPr lang="en-US" dirty="0"/>
+              <a:t>If there is a hand vote, the results of the vote. Otherwise, the phrase &lt;There was no objection to unanimous consent&gt; should be used </a:t>
+            </a:r>
+          </a:p>
+          <a:p>
+            <a:endParaRPr lang="en-US" dirty="0"/>
+          </a:p>
+          <a:p>
+            <a:endParaRPr lang="en-US" dirty="0"/>
+          </a:p>
+          <a:p>
+            <a:endParaRPr lang="en-US" dirty="0"/>
+          </a:p>
+        </p:txBody>
+      </p:sp>
+      <p:sp>
+        <p:nvSpPr>
+          <p:cNvPr id="3" name="Title 2">
+            <a:extLst>
+              <a:ext uri="{FF2B5EF4-FFF2-40B4-BE49-F238E27FC236}">
+                <a16:creationId xmlns:a16="http://schemas.microsoft.com/office/drawing/2014/main" id="{64B854F4-51C7-7CCD-5CFE-A088B570E244}"/>
+              </a:ext>
+            </a:extLst>
+          </p:cNvPr>
+          <p:cNvSpPr>
+            <a:spLocks noGrp="1"/>
+          </p:cNvSpPr>
+          <p:nvPr>
+            <p:ph type="title"/>
+          </p:nvPr>
+        </p:nvSpPr>
+        <p:spPr/>
+        <p:txBody>
+          <a:bodyPr/>
+          <a:lstStyle/>
+          <a:p>
+            <a:r>
+              <a:rPr lang="en-US" dirty="0">
+                <a:latin typeface="Aptos"/>
+              </a:rPr>
+              <a:t>Template for WG Action Motion</a:t>
+            </a:r>
+            <a:endParaRPr lang="en-US" dirty="0"/>
+          </a:p>
+        </p:txBody>
+      </p:sp>
+    </p:spTree>
+    <p:extLst>
+      <p:ext uri="{BB962C8B-B14F-4D97-AF65-F5344CB8AC3E}">
+        <p14:creationId xmlns:p14="http://schemas.microsoft.com/office/powerpoint/2010/main" val="789377817"/>
+      </p:ext>
+    </p:extLst>
+  </p:cSld>
+  <p:clrMapOvr>
+    <a:masterClrMapping/>
+  </p:clrMapOvr>
+</p:sld>
+</file>
+
+<file path=ppt/slides/slide11.xml><?xml version="1.0" encoding="utf-8"?>
+<p:sld xmlns:a="http://schemas.openxmlformats.org/drawingml/2006/main" xmlns:r="http://schemas.openxmlformats.org/officeDocument/2006/relationships" xmlns:p="http://schemas.openxmlformats.org/presentationml/2006/main">
+  <p:cSld>
+    <p:spTree>
+      <p:nvGrpSpPr>
         <p:cNvPr id="1" name=""/>
         <p:cNvGrpSpPr/>
         <p:nvPr/>
@@ -2937,7 +3071,7 @@
           <p:cNvPr id="2" name="Text Placeholder 1">
             <a:extLst>
               <a:ext uri="{FF2B5EF4-FFF2-40B4-BE49-F238E27FC236}">
-                <a16:creationId xmlns:a16="http://schemas.microsoft.com/office/drawing/2014/main" id="{CF02F8C8-9474-DBA6-5C09-FB0084C560D1}"/>
+                <a16:creationId xmlns:a16="http://schemas.microsoft.com/office/drawing/2014/main" id="{B3D06895-13DC-EEE9-D4A7-4974C3BE6900}"/>
               </a:ext>
             </a:extLst>
           </p:cNvPr>
@@ -2945,37 +3079,66 @@
             <a:spLocks noGrp="1"/>
           </p:cNvSpPr>
           <p:nvPr>
-            <p:ph type="body" sz="half" idx="2"/>
+            <p:ph type="body" idx="16"/>
           </p:nvPr>
         </p:nvSpPr>
         <p:spPr/>
         <p:txBody>
-          <a:bodyPr vert="horz" lIns="91440" tIns="45720" rIns="91440" bIns="45720" rtlCol="0" anchor="t">
-            <a:noAutofit/>
-          </a:bodyPr>
+          <a:bodyPr/>
           <a:lstStyle/>
           <a:p>
             <a:r>
-              <a:rPr lang="en-US" dirty="0">
-                <a:solidFill>
-                  <a:schemeClr val="accent3">
-                    <a:lumMod val="60000"/>
-                    <a:lumOff val="40000"/>
-                  </a:schemeClr>
-                </a:solidFill>
-                <a:latin typeface="Aptos SemiBold" panose="020B0004020202020204" pitchFamily="34" charset="0"/>
-              </a:rPr>
-              <a:t>www.ogc.org</a:t>
-            </a:r>
-          </a:p>
-        </p:txBody>
-      </p:sp>
-      <p:sp>
-        <p:nvSpPr>
-          <p:cNvPr id="4" name="Title 3">
-            <a:extLst>
-              <a:ext uri="{FF2B5EF4-FFF2-40B4-BE49-F238E27FC236}">
-                <a16:creationId xmlns:a16="http://schemas.microsoft.com/office/drawing/2014/main" id="{74FC2607-90B6-1BE6-26DA-96BD3BC71DFB}"/>
+              <a:rPr lang="en-US" dirty="0"/>
+              <a:t>The &lt;DWG or SWG name&gt; approves the following individuals as Chairs of this Working Group. </a:t>
+            </a:r>
+          </a:p>
+          <a:p>
+            <a:r>
+              <a:rPr lang="en-US" dirty="0"/>
+              <a:t>&lt;list of names and affiliations&gt; </a:t>
+            </a:r>
+          </a:p>
+          <a:p>
+            <a:pPr lvl="1"/>
+            <a:r>
+              <a:rPr lang="en-US" dirty="0"/>
+              <a:t>Motion: &lt;Name of person making the motion&gt; </a:t>
+            </a:r>
+          </a:p>
+          <a:p>
+            <a:pPr lvl="1"/>
+            <a:r>
+              <a:rPr lang="en-US" dirty="0"/>
+              <a:t>Second: &lt;name of the person seconding the motion&gt; </a:t>
+            </a:r>
+          </a:p>
+          <a:p>
+            <a:pPr lvl="1"/>
+            <a:r>
+              <a:rPr lang="en-US" dirty="0"/>
+              <a:t>Discussion: </a:t>
+            </a:r>
+          </a:p>
+          <a:p>
+            <a:r>
+              <a:rPr lang="en-US" dirty="0"/>
+              <a:t>If there is a hand vote, the results of the vote. Otherwise, the phrase &lt;There was no objection to unanimous consent&gt; should be used </a:t>
+            </a:r>
+          </a:p>
+          <a:p>
+            <a:endParaRPr lang="en-US" dirty="0"/>
+          </a:p>
+          <a:p>
+            <a:endParaRPr lang="en-US" dirty="0"/>
+          </a:p>
+        </p:txBody>
+      </p:sp>
+      <p:sp>
+        <p:nvSpPr>
+          <p:cNvPr id="3" name="Title 2">
+            <a:extLst>
+              <a:ext uri="{FF2B5EF4-FFF2-40B4-BE49-F238E27FC236}">
+                <a16:creationId xmlns:a16="http://schemas.microsoft.com/office/drawing/2014/main" id="{1A600755-6BFF-E6B1-41D4-BDE81EAF92F9}"/>
               </a:ext>
             </a:extLst>
           </p:cNvPr>
@@ -2986,63 +3149,288 @@
             <p:ph type="title"/>
           </p:nvPr>
         </p:nvSpPr>
-        <p:spPr>
-          <a:xfrm>
-            <a:off x="671761" y="3490404"/>
-            <a:ext cx="6110039" cy="3306192"/>
-          </a:xfrm>
-        </p:spPr>
+        <p:spPr/>
         <p:txBody>
           <a:bodyPr/>
           <a:lstStyle/>
           <a:p>
-            <a:pPr>
-              <a:lnSpc>
-                <a:spcPts val="9800"/>
-              </a:lnSpc>
-            </a:pPr>
-            <a:r>
-              <a:rPr lang="en-US" sz="12300" dirty="0">
-                <a:latin typeface="Aptos"/>
-              </a:rPr>
-              <a:t>THANK YOU</a:t>
-            </a:r>
-          </a:p>
-        </p:txBody>
-      </p:sp>
-      <p:pic>
-        <p:nvPicPr>
-          <p:cNvPr id="14" name="Picture Placeholder 13">
-            <a:extLst>
-              <a:ext uri="{FF2B5EF4-FFF2-40B4-BE49-F238E27FC236}">
-                <a16:creationId xmlns:a16="http://schemas.microsoft.com/office/drawing/2014/main" id="{99034441-C71F-F0B9-C2CF-43904F4FF5E0}"/>
-              </a:ext>
-            </a:extLst>
-          </p:cNvPr>
-          <p:cNvPicPr>
-            <a:picLocks noGrp="1" noChangeAspect="1"/>
-          </p:cNvPicPr>
-          <p:nvPr>
-            <p:ph type="pic" sz="quarter" idx="10"/>
-          </p:nvPr>
-        </p:nvPicPr>
-        <p:blipFill>
-          <a:blip r:embed="rId2" cstate="email">
-            <a:extLst>
-              <a:ext uri="{28A0092B-C50C-407E-A947-70E740481C1C}">
-                <a14:useLocalDpi xmlns:a14="http://schemas.microsoft.com/office/drawing/2010/main"/>
-              </a:ext>
-            </a:extLst>
-          </a:blip>
-          <a:srcRect/>
-          <a:stretch/>
-        </p:blipFill>
-        <p:spPr/>
-      </p:pic>
+            <a:r>
+              <a:rPr lang="en-US" dirty="0"/>
+              <a:t>Template for Chair Election</a:t>
+            </a:r>
+          </a:p>
+        </p:txBody>
+      </p:sp>
     </p:spTree>
     <p:extLst>
       <p:ext uri="{BB962C8B-B14F-4D97-AF65-F5344CB8AC3E}">
-        <p14:creationId xmlns:p14="http://schemas.microsoft.com/office/powerpoint/2010/main" val="3269384868"/>
+        <p14:creationId xmlns:p14="http://schemas.microsoft.com/office/powerpoint/2010/main" val="819643591"/>
+      </p:ext>
+    </p:extLst>
+  </p:cSld>
+  <p:clrMapOvr>
+    <a:masterClrMapping/>
+  </p:clrMapOvr>
+</p:sld>
+</file>
+
+<file path=ppt/slides/slide12.xml><?xml version="1.0" encoding="utf-8"?>
+<p:sld xmlns:a="http://schemas.openxmlformats.org/drawingml/2006/main" xmlns:r="http://schemas.openxmlformats.org/officeDocument/2006/relationships" xmlns:p="http://schemas.openxmlformats.org/presentationml/2006/main">
+  <p:cSld>
+    <p:spTree>
+      <p:nvGrpSpPr>
+        <p:cNvPr id="1" name=""/>
+        <p:cNvGrpSpPr/>
+        <p:nvPr/>
+      </p:nvGrpSpPr>
+      <p:grpSpPr>
+        <a:xfrm>
+          <a:off x="0" y="0"/>
+          <a:ext cx="0" cy="0"/>
+          <a:chOff x="0" y="0"/>
+          <a:chExt cx="0" cy="0"/>
+        </a:xfrm>
+      </p:grpSpPr>
+      <p:sp>
+        <p:nvSpPr>
+          <p:cNvPr id="2" name="Text Placeholder 1">
+            <a:extLst>
+              <a:ext uri="{FF2B5EF4-FFF2-40B4-BE49-F238E27FC236}">
+                <a16:creationId xmlns:a16="http://schemas.microsoft.com/office/drawing/2014/main" id="{BA77757D-6DC7-2010-3F43-188DCFE71A90}"/>
+              </a:ext>
+            </a:extLst>
+          </p:cNvPr>
+          <p:cNvSpPr>
+            <a:spLocks noGrp="1"/>
+          </p:cNvSpPr>
+          <p:nvPr>
+            <p:ph type="body" idx="16"/>
+          </p:nvPr>
+        </p:nvSpPr>
+        <p:spPr/>
+        <p:txBody>
+          <a:bodyPr/>
+          <a:lstStyle/>
+          <a:p>
+            <a:r>
+              <a:rPr lang="en-US" dirty="0"/>
+              <a:t>The &lt;DWG or SWG name&gt; recommends that the OGC Technical Committee approve release of [OGC Document Number] “&lt;OGC Document Name&gt;” as an OGC &lt;White Paper/Discussion Paper/ Engineering Report&gt;. </a:t>
+            </a:r>
+          </a:p>
+          <a:p>
+            <a:pPr lvl="1"/>
+            <a:r>
+              <a:rPr lang="en-US" dirty="0"/>
+              <a:t>Pending any final edits and review by OGC staff </a:t>
+            </a:r>
+          </a:p>
+          <a:p>
+            <a:pPr lvl="1"/>
+            <a:r>
+              <a:rPr lang="en-US" dirty="0"/>
+              <a:t>&lt;Any Discussion Points that the TC needs to be aware of&gt; </a:t>
+            </a:r>
+          </a:p>
+          <a:p>
+            <a:pPr lvl="1"/>
+            <a:r>
+              <a:rPr lang="en-US" dirty="0"/>
+              <a:t>Motion: &lt;Name of person making the motion&gt; </a:t>
+            </a:r>
+          </a:p>
+          <a:p>
+            <a:pPr lvl="1"/>
+            <a:r>
+              <a:rPr lang="en-US" dirty="0"/>
+              <a:t>Second: &lt;name of the person seconding the motion&gt; </a:t>
+            </a:r>
+          </a:p>
+          <a:p>
+            <a:pPr lvl="1"/>
+            <a:r>
+              <a:rPr lang="en-US" dirty="0"/>
+              <a:t>Discussion: </a:t>
+            </a:r>
+          </a:p>
+          <a:p>
+            <a:r>
+              <a:rPr lang="en-US" dirty="0"/>
+              <a:t>If there is a hand vote, the results of the vote. Otherwise, the phrase &lt;There was no objection to unanimous consent&gt; should be used </a:t>
+            </a:r>
+          </a:p>
+          <a:p>
+            <a:r>
+              <a:rPr lang="en-US" dirty="0"/>
+              <a:t>Short abstract of the document shall go here </a:t>
+            </a:r>
+          </a:p>
+        </p:txBody>
+      </p:sp>
+      <p:sp>
+        <p:nvSpPr>
+          <p:cNvPr id="3" name="Title 2">
+            <a:extLst>
+              <a:ext uri="{FF2B5EF4-FFF2-40B4-BE49-F238E27FC236}">
+                <a16:creationId xmlns:a16="http://schemas.microsoft.com/office/drawing/2014/main" id="{AFE137F5-D4A7-496E-D388-10EFD7E1775E}"/>
+              </a:ext>
+            </a:extLst>
+          </p:cNvPr>
+          <p:cNvSpPr>
+            <a:spLocks noGrp="1"/>
+          </p:cNvSpPr>
+          <p:nvPr>
+            <p:ph type="title"/>
+          </p:nvPr>
+        </p:nvSpPr>
+        <p:spPr/>
+        <p:txBody>
+          <a:bodyPr/>
+          <a:lstStyle/>
+          <a:p>
+            <a:r>
+              <a:rPr lang="en-US" dirty="0"/>
+              <a:t>Template for TC Document Approval Motion</a:t>
+            </a:r>
+          </a:p>
+        </p:txBody>
+      </p:sp>
+    </p:spTree>
+    <p:extLst>
+      <p:ext uri="{BB962C8B-B14F-4D97-AF65-F5344CB8AC3E}">
+        <p14:creationId xmlns:p14="http://schemas.microsoft.com/office/powerpoint/2010/main" val="2421401861"/>
+      </p:ext>
+    </p:extLst>
+  </p:cSld>
+  <p:clrMapOvr>
+    <a:masterClrMapping/>
+  </p:clrMapOvr>
+</p:sld>
+</file>
+
+<file path=ppt/slides/slide13.xml><?xml version="1.0" encoding="utf-8"?>
+<p:sld xmlns:a="http://schemas.openxmlformats.org/drawingml/2006/main" xmlns:r="http://schemas.openxmlformats.org/officeDocument/2006/relationships" xmlns:p="http://schemas.openxmlformats.org/presentationml/2006/main">
+  <p:cSld>
+    <p:spTree>
+      <p:nvGrpSpPr>
+        <p:cNvPr id="1" name=""/>
+        <p:cNvGrpSpPr/>
+        <p:nvPr/>
+      </p:nvGrpSpPr>
+      <p:grpSpPr>
+        <a:xfrm>
+          <a:off x="0" y="0"/>
+          <a:ext cx="0" cy="0"/>
+          <a:chOff x="0" y="0"/>
+          <a:chExt cx="0" cy="0"/>
+        </a:xfrm>
+      </p:grpSpPr>
+      <p:sp>
+        <p:nvSpPr>
+          <p:cNvPr id="2" name="Text Placeholder 1">
+            <a:extLst>
+              <a:ext uri="{FF2B5EF4-FFF2-40B4-BE49-F238E27FC236}">
+                <a16:creationId xmlns:a16="http://schemas.microsoft.com/office/drawing/2014/main" id="{54E912E5-BE70-E166-9C14-A01C2CB2CD57}"/>
+              </a:ext>
+            </a:extLst>
+          </p:cNvPr>
+          <p:cNvSpPr>
+            <a:spLocks noGrp="1"/>
+          </p:cNvSpPr>
+          <p:nvPr>
+            <p:ph type="body" idx="16"/>
+          </p:nvPr>
+        </p:nvSpPr>
+        <p:spPr/>
+        <p:txBody>
+          <a:bodyPr/>
+          <a:lstStyle/>
+          <a:p>
+            <a:r>
+              <a:rPr lang="en-US" dirty="0"/>
+              <a:t>The &lt;DWG or SWG name&gt; recommends that the OGC Technical Committee approve an electronic vote to approve release of &lt;OGC Document Number&gt; “&lt;OGC Document Name&gt;” as an OGC &lt;Best Practice/Standard&gt;. </a:t>
+            </a:r>
+          </a:p>
+          <a:p>
+            <a:pPr lvl="1"/>
+            <a:r>
+              <a:rPr lang="en-US" dirty="0"/>
+              <a:t>Pending any final edits and review by OGC staff </a:t>
+            </a:r>
+          </a:p>
+          <a:p>
+            <a:pPr lvl="1"/>
+            <a:r>
+              <a:rPr lang="en-US" dirty="0"/>
+              <a:t>&lt;Any Discussion Points that the TC needs to be aware of&gt; </a:t>
+            </a:r>
+          </a:p>
+          <a:p>
+            <a:pPr lvl="1"/>
+            <a:r>
+              <a:rPr lang="en-US" dirty="0"/>
+              <a:t>Motion: &lt;Name of person making the motion&gt; </a:t>
+            </a:r>
+          </a:p>
+          <a:p>
+            <a:pPr lvl="1"/>
+            <a:r>
+              <a:rPr lang="en-US" dirty="0"/>
+              <a:t>Second: &lt;name of the person seconding the motion&gt; </a:t>
+            </a:r>
+          </a:p>
+          <a:p>
+            <a:pPr lvl="1"/>
+            <a:r>
+              <a:rPr lang="en-US" dirty="0"/>
+              <a:t>Discussion: </a:t>
+            </a:r>
+          </a:p>
+          <a:p>
+            <a:r>
+              <a:rPr lang="en-US" dirty="0"/>
+              <a:t>If there is a hand vote, the results of the vote. Otherwise, the phrase &lt;There was no objection to unanimous consent&gt; should be used </a:t>
+            </a:r>
+          </a:p>
+          <a:p>
+            <a:endParaRPr lang="en-US" dirty="0"/>
+          </a:p>
+          <a:p>
+            <a:endParaRPr lang="en-US" dirty="0"/>
+          </a:p>
+        </p:txBody>
+      </p:sp>
+      <p:sp>
+        <p:nvSpPr>
+          <p:cNvPr id="3" name="Title 2">
+            <a:extLst>
+              <a:ext uri="{FF2B5EF4-FFF2-40B4-BE49-F238E27FC236}">
+                <a16:creationId xmlns:a16="http://schemas.microsoft.com/office/drawing/2014/main" id="{0AAA52A3-9149-1633-182A-2DB65D732DC0}"/>
+              </a:ext>
+            </a:extLst>
+          </p:cNvPr>
+          <p:cNvSpPr>
+            <a:spLocks noGrp="1"/>
+          </p:cNvSpPr>
+          <p:nvPr>
+            <p:ph type="title"/>
+          </p:nvPr>
+        </p:nvSpPr>
+        <p:spPr/>
+        <p:txBody>
+          <a:bodyPr/>
+          <a:lstStyle/>
+          <a:p>
+            <a:r>
+              <a:rPr lang="en-US" dirty="0"/>
+              <a:t>Template to Request a TC Electronic Vote</a:t>
+            </a:r>
+          </a:p>
+        </p:txBody>
+      </p:sp>
+    </p:spTree>
+    <p:extLst>
+      <p:ext uri="{BB962C8B-B14F-4D97-AF65-F5344CB8AC3E}">
+        <p14:creationId xmlns:p14="http://schemas.microsoft.com/office/powerpoint/2010/main" val="2453074074"/>
       </p:ext>
     </p:extLst>
   </p:cSld>
@@ -3759,13 +4147,98 @@
           <a:bodyPr/>
           <a:lstStyle/>
           <a:p>
-            <a:r>
-              <a:rPr lang="en-US" dirty="0"/>
-              <a:t>Agenda item</a:t>
-            </a:r>
-          </a:p>
-          <a:p>
-            <a:endParaRPr lang="en-US" dirty="0"/>
+            <a:pPr marL="514350" indent="-514350">
+              <a:buFont typeface="+mj-lt"/>
+              <a:buAutoNum type="arabicPeriod"/>
+            </a:pPr>
+            <a:r>
+              <a:rPr lang="en-US" dirty="0"/>
+              <a:t>Administrivia</a:t>
+            </a:r>
+          </a:p>
+          <a:p>
+            <a:pPr marL="514350" indent="-514350">
+              <a:buFont typeface="+mj-lt"/>
+              <a:buAutoNum type="arabicPeriod"/>
+            </a:pPr>
+            <a:r>
+              <a:rPr lang="en-US" dirty="0"/>
+              <a:t>Review the Monday </a:t>
+            </a:r>
+            <a:r>
+              <a:rPr lang="en-US" dirty="0" err="1"/>
+              <a:t>GeoPose</a:t>
+            </a:r>
+            <a:r>
+              <a:rPr lang="en-US" dirty="0"/>
+              <a:t> Summit: Christine P. [15 minutes]</a:t>
+            </a:r>
+          </a:p>
+          <a:p>
+            <a:pPr marL="514350" indent="-514350">
+              <a:buFont typeface="+mj-lt"/>
+              <a:buAutoNum type="arabicPeriod"/>
+            </a:pPr>
+            <a:r>
+              <a:rPr lang="en-US" dirty="0"/>
+              <a:t>Report on status of the </a:t>
+            </a:r>
+            <a:r>
+              <a:rPr lang="en-US" dirty="0" err="1"/>
+              <a:t>glTF</a:t>
+            </a:r>
+            <a:r>
+              <a:rPr lang="en-US" dirty="0"/>
+              <a:t> 2 extension: Steve S. [10 minutes]</a:t>
+            </a:r>
+          </a:p>
+          <a:p>
+            <a:pPr marL="514350" indent="-514350">
+              <a:buFont typeface="+mj-lt"/>
+              <a:buAutoNum type="arabicPeriod"/>
+            </a:pPr>
+            <a:r>
+              <a:rPr lang="en-US" dirty="0"/>
+              <a:t>Review the </a:t>
+            </a:r>
+            <a:r>
+              <a:rPr lang="en-US" dirty="0" err="1"/>
+              <a:t>GeoPose</a:t>
+            </a:r>
+            <a:r>
+              <a:rPr lang="en-US" dirty="0"/>
+              <a:t> 1.x by Work Package: SWH/WP Leaders [15 minutes]</a:t>
+            </a:r>
+          </a:p>
+          <a:p>
+            <a:pPr marL="514350" indent="-514350">
+              <a:buFont typeface="+mj-lt"/>
+              <a:buAutoNum type="arabicPeriod"/>
+            </a:pPr>
+            <a:r>
+              <a:rPr lang="en-US" dirty="0"/>
+              <a:t>Presentation on Cost/benefit Analysis of Standards Features: Jim Antonisse [15 minutes]</a:t>
+            </a:r>
+          </a:p>
+          <a:p>
+            <a:pPr marL="514350" indent="-514350">
+              <a:buFont typeface="+mj-lt"/>
+              <a:buAutoNum type="arabicPeriod"/>
+            </a:pPr>
+            <a:r>
+              <a:rPr lang="en-US" dirty="0"/>
+              <a:t>Note on MSF benchmarking (if time allows) [5 minutes]</a:t>
+            </a:r>
+          </a:p>
+          <a:p>
+            <a:pPr marL="514350" indent="-514350">
+              <a:buFont typeface="+mj-lt"/>
+              <a:buAutoNum type="arabicPeriod"/>
+            </a:pPr>
+            <a:r>
+              <a:rPr lang="en-US" dirty="0"/>
+              <a:t>Any other business and next meetings</a:t>
+            </a:r>
           </a:p>
         </p:txBody>
       </p:sp>
@@ -3948,7 +4421,7 @@
           <a:p>
             <a:r>
               <a:rPr lang="en-US" dirty="0"/>
-              <a:t>Section Title Placement. Add content here.</a:t>
+              <a:t>Presentations</a:t>
             </a:r>
           </a:p>
         </p:txBody>
@@ -3974,7 +4447,7 @@
         <p:cNvPr id="1" name="">
           <a:extLst>
             <a:ext uri="{FF2B5EF4-FFF2-40B4-BE49-F238E27FC236}">
-              <a16:creationId xmlns:a16="http://schemas.microsoft.com/office/drawing/2014/main" id="{127CCA88-BD6A-AE7C-40E5-04AD1B4B0E8D}"/>
+              <a16:creationId xmlns:a16="http://schemas.microsoft.com/office/drawing/2014/main" id="{C11494E9-E862-41C8-E668-687CC68EE6BD}"/>
             </a:ext>
           </a:extLst>
         </p:cNvPr>
@@ -3994,7 +4467,7 @@
           <p:cNvPr id="2" name="Text Placeholder 1">
             <a:extLst>
               <a:ext uri="{FF2B5EF4-FFF2-40B4-BE49-F238E27FC236}">
-                <a16:creationId xmlns:a16="http://schemas.microsoft.com/office/drawing/2014/main" id="{0DB277D6-12A1-0670-D6BB-E318C4012840}"/>
+                <a16:creationId xmlns:a16="http://schemas.microsoft.com/office/drawing/2014/main" id="{114300DC-A1AD-366F-5C4C-7C8F83B261FD}"/>
               </a:ext>
             </a:extLst>
           </p:cNvPr>
@@ -4010,47 +4483,95 @@
           <a:bodyPr/>
           <a:lstStyle/>
           <a:p>
-            <a:r>
-              <a:rPr lang="en-US" dirty="0"/>
-              <a:t>The &lt;DWG or SWG name&gt; approves &lt;an action&gt;.</a:t>
-            </a:r>
-          </a:p>
-          <a:p>
-            <a:pPr lvl="1"/>
-            <a:r>
-              <a:rPr lang="en-US" dirty="0"/>
-              <a:t>Motion: &lt;Name of person making the motion&gt; </a:t>
-            </a:r>
-          </a:p>
-          <a:p>
-            <a:pPr lvl="1"/>
-            <a:r>
-              <a:rPr lang="en-US" dirty="0"/>
-              <a:t>Second: &lt;name of the person seconding the motion&gt; </a:t>
-            </a:r>
-          </a:p>
-          <a:p>
-            <a:pPr lvl="1"/>
-            <a:r>
-              <a:rPr lang="en-US" dirty="0"/>
-              <a:t>Discussion: </a:t>
-            </a:r>
-          </a:p>
-          <a:p>
-            <a:r>
-              <a:rPr lang="en-US" dirty="0"/>
-              <a:t>If there is a hand vote, the results of the vote. Otherwise, the phrase &lt;There was no objection to unanimous consent&gt; should be used </a:t>
-            </a:r>
-          </a:p>
-          <a:p>
+            <a:pPr marL="514350" indent="-514350">
+              <a:buFont typeface="+mj-lt"/>
+              <a:buAutoNum type="arabicParenR"/>
+            </a:pPr>
+            <a:r>
+              <a:rPr lang="en-US" dirty="0"/>
+              <a:t>Christine P.:  </a:t>
+            </a:r>
+            <a:r>
+              <a:rPr lang="en-US" dirty="0" err="1"/>
+              <a:t>GeoPose</a:t>
+            </a:r>
+            <a:r>
+              <a:rPr lang="en-US" dirty="0"/>
+              <a:t> Summit [15 minutes]</a:t>
+            </a:r>
+          </a:p>
+          <a:p>
+            <a:pPr marL="514350" indent="-514350">
+              <a:buFont typeface="+mj-lt"/>
+              <a:buAutoNum type="arabicParenR"/>
+            </a:pPr>
+            <a:r>
+              <a:rPr lang="en-US" dirty="0"/>
+              <a:t>Steve S.: Status of the </a:t>
+            </a:r>
+            <a:r>
+              <a:rPr lang="en-US" dirty="0" err="1"/>
+              <a:t>glTF</a:t>
+            </a:r>
+            <a:r>
+              <a:rPr lang="en-US" dirty="0"/>
+              <a:t> 2 Extension [10 minutes]</a:t>
+            </a:r>
+          </a:p>
+          <a:p>
+            <a:pPr marL="514350" indent="-514350">
+              <a:buFont typeface="+mj-lt"/>
+              <a:buAutoNum type="arabicParenR"/>
+            </a:pPr>
+            <a:r>
+              <a:rPr lang="en-US" dirty="0"/>
+              <a:t>Jim A.: Cost/benefit Analysis of Standards Features [15 minutes]</a:t>
+            </a:r>
+          </a:p>
+          <a:p>
+            <a:pPr marL="514350" indent="-514350">
+              <a:buFont typeface="+mj-lt"/>
+              <a:buAutoNum type="arabicParenR"/>
+            </a:pPr>
+            <a:r>
+              <a:rPr lang="en-US" dirty="0"/>
+              <a:t>SWG/WP Leaders: </a:t>
+            </a:r>
+            <a:r>
+              <a:rPr lang="en-US" dirty="0" err="1"/>
+              <a:t>GeoPose</a:t>
+            </a:r>
+            <a:r>
+              <a:rPr lang="en-US" dirty="0"/>
+              <a:t> 1.x by Work Package [15 minutes]</a:t>
+            </a:r>
+          </a:p>
+          <a:p>
+            <a:pPr marL="914400" lvl="1" indent="-514350">
+              <a:buFont typeface="+mj-lt"/>
+              <a:buAutoNum type="arabicParenR"/>
+            </a:pPr>
+            <a:r>
+              <a:rPr lang="en-US" dirty="0"/>
+              <a:t> [Are there any that we should close due to lack of interest?]</a:t>
+            </a:r>
+          </a:p>
+          <a:p>
+            <a:pPr marL="914400" lvl="1" indent="-514350">
+              <a:buFont typeface="+mj-lt"/>
+              <a:buAutoNum type="arabicParenR"/>
+            </a:pPr>
+            <a:r>
+              <a:rPr lang="en-US" dirty="0"/>
+              <a:t>[Are there any where we need a leader?]</a:t>
+            </a:r>
+          </a:p>
+          <a:p>
+            <a:pPr marL="0" indent="0">
+              <a:buNone/>
+            </a:pPr>
             <a:endParaRPr lang="en-US" dirty="0"/>
           </a:p>
-          <a:p>
-            <a:endParaRPr lang="en-US" dirty="0"/>
-          </a:p>
-          <a:p>
-            <a:endParaRPr lang="en-US" dirty="0"/>
-          </a:p>
         </p:txBody>
       </p:sp>
       <p:sp>
@@ -4058,7 +4579,7 @@
           <p:cNvPr id="3" name="Title 2">
             <a:extLst>
               <a:ext uri="{FF2B5EF4-FFF2-40B4-BE49-F238E27FC236}">
-                <a16:creationId xmlns:a16="http://schemas.microsoft.com/office/drawing/2014/main" id="{D4ACC504-3C61-B7CF-89C2-C8B6E73A9504}"/>
+                <a16:creationId xmlns:a16="http://schemas.microsoft.com/office/drawing/2014/main" id="{B1ADF55A-7DD0-7F15-771F-85D703728B96}"/>
               </a:ext>
             </a:extLst>
           </p:cNvPr>
@@ -4075,19 +4596,16 @@
           <a:lstStyle/>
           <a:p>
             <a:r>
-              <a:rPr lang="en-US" dirty="0">
-                <a:latin typeface="Aptos"/>
-              </a:rPr>
-              <a:t>Template for WG Action Motion</a:t>
-            </a:r>
-            <a:endParaRPr lang="en-US" dirty="0"/>
+              <a:rPr lang="en-US" dirty="0"/>
+              <a:t>Presenters and Presentations</a:t>
+            </a:r>
           </a:p>
         </p:txBody>
       </p:sp>
     </p:spTree>
     <p:extLst>
       <p:ext uri="{BB962C8B-B14F-4D97-AF65-F5344CB8AC3E}">
-        <p14:creationId xmlns:p14="http://schemas.microsoft.com/office/powerpoint/2010/main" val="1626960937"/>
+        <p14:creationId xmlns:p14="http://schemas.microsoft.com/office/powerpoint/2010/main" val="3166509515"/>
       </p:ext>
     </p:extLst>
   </p:cSld>
@@ -4102,7 +4620,13 @@
   <p:cSld>
     <p:spTree>
       <p:nvGrpSpPr>
-        <p:cNvPr id="1" name=""/>
+        <p:cNvPr id="1" name="">
+          <a:extLst>
+            <a:ext uri="{FF2B5EF4-FFF2-40B4-BE49-F238E27FC236}">
+              <a16:creationId xmlns:a16="http://schemas.microsoft.com/office/drawing/2014/main" id="{D7E26719-AA92-747B-AEC0-67CB01100048}"/>
+            </a:ext>
+          </a:extLst>
+        </p:cNvPr>
         <p:cNvGrpSpPr/>
         <p:nvPr/>
       </p:nvGrpSpPr>
@@ -4119,7 +4643,7 @@
           <p:cNvPr id="2" name="Text Placeholder 1">
             <a:extLst>
               <a:ext uri="{FF2B5EF4-FFF2-40B4-BE49-F238E27FC236}">
-                <a16:creationId xmlns:a16="http://schemas.microsoft.com/office/drawing/2014/main" id="{B3D06895-13DC-EEE9-D4A7-4974C3BE6900}"/>
+                <a16:creationId xmlns:a16="http://schemas.microsoft.com/office/drawing/2014/main" id="{4AF34496-8934-E279-2121-EB99179FB92F}"/>
               </a:ext>
             </a:extLst>
           </p:cNvPr>
@@ -4135,50 +4659,11 @@
           <a:bodyPr/>
           <a:lstStyle/>
           <a:p>
-            <a:r>
-              <a:rPr lang="en-US" dirty="0"/>
-              <a:t>The &lt;DWG or SWG name&gt; approves the following individuals as Chairs of this Working Group. </a:t>
-            </a:r>
-          </a:p>
-          <a:p>
-            <a:r>
-              <a:rPr lang="en-US" dirty="0"/>
-              <a:t>&lt;list of names and affiliations&gt; </a:t>
-            </a:r>
-          </a:p>
-          <a:p>
-            <a:pPr lvl="1"/>
-            <a:r>
-              <a:rPr lang="en-US" dirty="0"/>
-              <a:t>Motion: &lt;Name of person making the motion&gt; </a:t>
-            </a:r>
-          </a:p>
-          <a:p>
-            <a:pPr lvl="1"/>
-            <a:r>
-              <a:rPr lang="en-US" dirty="0"/>
-              <a:t>Second: &lt;name of the person seconding the motion&gt; </a:t>
-            </a:r>
-          </a:p>
-          <a:p>
-            <a:pPr lvl="1"/>
-            <a:r>
-              <a:rPr lang="en-US" dirty="0"/>
-              <a:t>Discussion: </a:t>
-            </a:r>
-          </a:p>
-          <a:p>
-            <a:r>
-              <a:rPr lang="en-US" dirty="0"/>
-              <a:t>If there is a hand vote, the results of the vote. Otherwise, the phrase &lt;There was no objection to unanimous consent&gt; should be used </a:t>
-            </a:r>
-          </a:p>
-          <a:p>
+            <a:pPr marL="0" indent="0">
+              <a:buNone/>
+            </a:pPr>
             <a:endParaRPr lang="en-US" dirty="0"/>
           </a:p>
-          <a:p>
-            <a:endParaRPr lang="en-US" dirty="0"/>
-          </a:p>
         </p:txBody>
       </p:sp>
       <p:sp>
@@ -4186,7 +4671,7 @@
           <p:cNvPr id="3" name="Title 2">
             <a:extLst>
               <a:ext uri="{FF2B5EF4-FFF2-40B4-BE49-F238E27FC236}">
-                <a16:creationId xmlns:a16="http://schemas.microsoft.com/office/drawing/2014/main" id="{1A600755-6BFF-E6B1-41D4-BDE81EAF92F9}"/>
+                <a16:creationId xmlns:a16="http://schemas.microsoft.com/office/drawing/2014/main" id="{B75979D1-9104-24FC-9F96-FFB96C19A9BC}"/>
               </a:ext>
             </a:extLst>
           </p:cNvPr>
@@ -4204,7 +4689,7 @@
           <a:p>
             <a:r>
               <a:rPr lang="en-US" dirty="0"/>
-              <a:t>Template for Chair Election</a:t>
+              <a:t>Any Other Business and Next Meetings</a:t>
             </a:r>
           </a:p>
         </p:txBody>
@@ -4212,7 +4697,7 @@
     </p:spTree>
     <p:extLst>
       <p:ext uri="{BB962C8B-B14F-4D97-AF65-F5344CB8AC3E}">
-        <p14:creationId xmlns:p14="http://schemas.microsoft.com/office/powerpoint/2010/main" val="819643591"/>
+        <p14:creationId xmlns:p14="http://schemas.microsoft.com/office/powerpoint/2010/main" val="267575488"/>
       </p:ext>
     </p:extLst>
   </p:cSld>
@@ -4244,7 +4729,7 @@
           <p:cNvPr id="2" name="Text Placeholder 1">
             <a:extLst>
               <a:ext uri="{FF2B5EF4-FFF2-40B4-BE49-F238E27FC236}">
-                <a16:creationId xmlns:a16="http://schemas.microsoft.com/office/drawing/2014/main" id="{BA77757D-6DC7-2010-3F43-188DCFE71A90}"/>
+                <a16:creationId xmlns:a16="http://schemas.microsoft.com/office/drawing/2014/main" id="{CF02F8C8-9474-DBA6-5C09-FB0084C560D1}"/>
               </a:ext>
             </a:extLst>
           </p:cNvPr>
@@ -4252,74 +4737,37 @@
             <a:spLocks noGrp="1"/>
           </p:cNvSpPr>
           <p:nvPr>
-            <p:ph type="body" idx="16"/>
+            <p:ph type="body" sz="half" idx="2"/>
           </p:nvPr>
         </p:nvSpPr>
         <p:spPr/>
         <p:txBody>
-          <a:bodyPr/>
+          <a:bodyPr vert="horz" lIns="91440" tIns="45720" rIns="91440" bIns="45720" rtlCol="0" anchor="t">
+            <a:noAutofit/>
+          </a:bodyPr>
           <a:lstStyle/>
           <a:p>
             <a:r>
-              <a:rPr lang="en-US" dirty="0"/>
-              <a:t>The &lt;DWG or SWG name&gt; recommends that the OGC Technical Committee approve release of [OGC Document Number] “&lt;OGC Document Name&gt;” as an OGC &lt;White Paper/Discussion Paper/ Engineering Report&gt;. </a:t>
-            </a:r>
-          </a:p>
-          <a:p>
-            <a:pPr lvl="1"/>
-            <a:r>
-              <a:rPr lang="en-US" dirty="0"/>
-              <a:t>Pending any final edits and review by OGC staff </a:t>
-            </a:r>
-          </a:p>
-          <a:p>
-            <a:pPr lvl="1"/>
-            <a:r>
-              <a:rPr lang="en-US" dirty="0"/>
-              <a:t>&lt;Any Discussion Points that the TC needs to be aware of&gt; </a:t>
-            </a:r>
-          </a:p>
-          <a:p>
-            <a:pPr lvl="1"/>
-            <a:r>
-              <a:rPr lang="en-US" dirty="0"/>
-              <a:t>Motion: &lt;Name of person making the motion&gt; </a:t>
-            </a:r>
-          </a:p>
-          <a:p>
-            <a:pPr lvl="1"/>
-            <a:r>
-              <a:rPr lang="en-US" dirty="0"/>
-              <a:t>Second: &lt;name of the person seconding the motion&gt; </a:t>
-            </a:r>
-          </a:p>
-          <a:p>
-            <a:pPr lvl="1"/>
-            <a:r>
-              <a:rPr lang="en-US" dirty="0"/>
-              <a:t>Discussion: </a:t>
-            </a:r>
-          </a:p>
-          <a:p>
-            <a:r>
-              <a:rPr lang="en-US" dirty="0"/>
-              <a:t>If there is a hand vote, the results of the vote. Otherwise, the phrase &lt;There was no objection to unanimous consent&gt; should be used </a:t>
-            </a:r>
-          </a:p>
-          <a:p>
-            <a:r>
-              <a:rPr lang="en-US" dirty="0"/>
-              <a:t>Short abstract of the document shall go here </a:t>
-            </a:r>
-          </a:p>
-        </p:txBody>
-      </p:sp>
-      <p:sp>
-        <p:nvSpPr>
-          <p:cNvPr id="3" name="Title 2">
-            <a:extLst>
-              <a:ext uri="{FF2B5EF4-FFF2-40B4-BE49-F238E27FC236}">
-                <a16:creationId xmlns:a16="http://schemas.microsoft.com/office/drawing/2014/main" id="{AFE137F5-D4A7-496E-D388-10EFD7E1775E}"/>
+              <a:rPr lang="en-US" dirty="0">
+                <a:solidFill>
+                  <a:schemeClr val="accent3">
+                    <a:lumMod val="60000"/>
+                    <a:lumOff val="40000"/>
+                  </a:schemeClr>
+                </a:solidFill>
+                <a:latin typeface="Aptos SemiBold" panose="020B0004020202020204" pitchFamily="34" charset="0"/>
+              </a:rPr>
+              <a:t>www.ogc.org</a:t>
+            </a:r>
+          </a:p>
+        </p:txBody>
+      </p:sp>
+      <p:sp>
+        <p:nvSpPr>
+          <p:cNvPr id="4" name="Title 3">
+            <a:extLst>
+              <a:ext uri="{FF2B5EF4-FFF2-40B4-BE49-F238E27FC236}">
+                <a16:creationId xmlns:a16="http://schemas.microsoft.com/office/drawing/2014/main" id="{74FC2607-90B6-1BE6-26DA-96BD3BC71DFB}"/>
               </a:ext>
             </a:extLst>
           </p:cNvPr>
@@ -4330,22 +4778,63 @@
             <p:ph type="title"/>
           </p:nvPr>
         </p:nvSpPr>
-        <p:spPr/>
+        <p:spPr>
+          <a:xfrm>
+            <a:off x="671761" y="3490404"/>
+            <a:ext cx="6110039" cy="3306192"/>
+          </a:xfrm>
+        </p:spPr>
         <p:txBody>
           <a:bodyPr/>
           <a:lstStyle/>
           <a:p>
-            <a:r>
-              <a:rPr lang="en-US" dirty="0"/>
-              <a:t>Template for TC Document Approval Motion</a:t>
-            </a:r>
-          </a:p>
-        </p:txBody>
-      </p:sp>
+            <a:pPr>
+              <a:lnSpc>
+                <a:spcPts val="9800"/>
+              </a:lnSpc>
+            </a:pPr>
+            <a:r>
+              <a:rPr lang="en-US" sz="12300" dirty="0">
+                <a:latin typeface="Aptos"/>
+              </a:rPr>
+              <a:t>THANK YOU</a:t>
+            </a:r>
+          </a:p>
+        </p:txBody>
+      </p:sp>
+      <p:pic>
+        <p:nvPicPr>
+          <p:cNvPr id="14" name="Picture Placeholder 13">
+            <a:extLst>
+              <a:ext uri="{FF2B5EF4-FFF2-40B4-BE49-F238E27FC236}">
+                <a16:creationId xmlns:a16="http://schemas.microsoft.com/office/drawing/2014/main" id="{99034441-C71F-F0B9-C2CF-43904F4FF5E0}"/>
+              </a:ext>
+            </a:extLst>
+          </p:cNvPr>
+          <p:cNvPicPr>
+            <a:picLocks noGrp="1" noChangeAspect="1"/>
+          </p:cNvPicPr>
+          <p:nvPr>
+            <p:ph type="pic" sz="quarter" idx="10"/>
+          </p:nvPr>
+        </p:nvPicPr>
+        <p:blipFill>
+          <a:blip r:embed="rId2" cstate="email">
+            <a:extLst>
+              <a:ext uri="{28A0092B-C50C-407E-A947-70E740481C1C}">
+                <a14:useLocalDpi xmlns:a14="http://schemas.microsoft.com/office/drawing/2010/main"/>
+              </a:ext>
+            </a:extLst>
+          </a:blip>
+          <a:srcRect/>
+          <a:stretch/>
+        </p:blipFill>
+        <p:spPr/>
+      </p:pic>
     </p:spTree>
     <p:extLst>
       <p:ext uri="{BB962C8B-B14F-4D97-AF65-F5344CB8AC3E}">
-        <p14:creationId xmlns:p14="http://schemas.microsoft.com/office/powerpoint/2010/main" val="2421401861"/>
+        <p14:creationId xmlns:p14="http://schemas.microsoft.com/office/powerpoint/2010/main" val="3269384868"/>
       </p:ext>
     </p:extLst>
   </p:cSld>
@@ -4360,7 +4849,13 @@
   <p:cSld>
     <p:spTree>
       <p:nvGrpSpPr>
-        <p:cNvPr id="1" name=""/>
+        <p:cNvPr id="1" name="">
+          <a:extLst>
+            <a:ext uri="{FF2B5EF4-FFF2-40B4-BE49-F238E27FC236}">
+              <a16:creationId xmlns:a16="http://schemas.microsoft.com/office/drawing/2014/main" id="{127CCA88-BD6A-AE7C-40E5-04AD1B4B0E8D}"/>
+            </a:ext>
+          </a:extLst>
+        </p:cNvPr>
         <p:cNvGrpSpPr/>
         <p:nvPr/>
       </p:nvGrpSpPr>
@@ -4377,7 +4872,7 @@
           <p:cNvPr id="2" name="Text Placeholder 1">
             <a:extLst>
               <a:ext uri="{FF2B5EF4-FFF2-40B4-BE49-F238E27FC236}">
-                <a16:creationId xmlns:a16="http://schemas.microsoft.com/office/drawing/2014/main" id="{54E912E5-BE70-E166-9C14-A01C2CB2CD57}"/>
+                <a16:creationId xmlns:a16="http://schemas.microsoft.com/office/drawing/2014/main" id="{0DB277D6-12A1-0670-D6BB-E318C4012840}"/>
               </a:ext>
             </a:extLst>
           </p:cNvPr>
@@ -4393,58 +4888,14 @@
           <a:bodyPr/>
           <a:lstStyle/>
           <a:p>
-            <a:r>
-              <a:rPr lang="en-US" dirty="0"/>
-              <a:t>The &lt;DWG or SWG name&gt; recommends that the OGC Technical Committee approve an electronic vote to approve release of &lt;OGC Document Number&gt; “&lt;OGC Document Name&gt;” as an OGC &lt;Best Practice/Standard&gt;. </a:t>
-            </a:r>
-          </a:p>
-          <a:p>
-            <a:pPr lvl="1"/>
-            <a:r>
-              <a:rPr lang="en-US" dirty="0"/>
-              <a:t>Pending any final edits and review by OGC staff </a:t>
-            </a:r>
-          </a:p>
-          <a:p>
-            <a:pPr lvl="1"/>
-            <a:r>
-              <a:rPr lang="en-US" dirty="0"/>
-              <a:t>&lt;Any Discussion Points that the TC needs to be aware of&gt; </a:t>
-            </a:r>
-          </a:p>
-          <a:p>
-            <a:pPr lvl="1"/>
-            <a:r>
-              <a:rPr lang="en-US" dirty="0"/>
-              <a:t>Motion: &lt;Name of person making the motion&gt; </a:t>
-            </a:r>
-          </a:p>
-          <a:p>
-            <a:pPr lvl="1"/>
-            <a:r>
-              <a:rPr lang="en-US" dirty="0"/>
-              <a:t>Second: &lt;name of the person seconding the motion&gt; </a:t>
-            </a:r>
-          </a:p>
-          <a:p>
-            <a:pPr lvl="1"/>
-            <a:r>
-              <a:rPr lang="en-US" dirty="0"/>
-              <a:t>Discussion: </a:t>
-            </a:r>
-          </a:p>
-          <a:p>
-            <a:r>
-              <a:rPr lang="en-US" dirty="0"/>
-              <a:t>If there is a hand vote, the results of the vote. Otherwise, the phrase &lt;There was no objection to unanimous consent&gt; should be used </a:t>
-            </a:r>
-          </a:p>
-          <a:p>
             <a:endParaRPr lang="en-US" dirty="0"/>
           </a:p>
           <a:p>
             <a:endParaRPr lang="en-US" dirty="0"/>
           </a:p>
+          <a:p>
+            <a:endParaRPr lang="en-US" dirty="0"/>
+          </a:p>
         </p:txBody>
       </p:sp>
       <p:sp>
@@ -4452,7 +4903,7 @@
           <p:cNvPr id="3" name="Title 2">
             <a:extLst>
               <a:ext uri="{FF2B5EF4-FFF2-40B4-BE49-F238E27FC236}">
-                <a16:creationId xmlns:a16="http://schemas.microsoft.com/office/drawing/2014/main" id="{0AAA52A3-9149-1633-182A-2DB65D732DC0}"/>
+                <a16:creationId xmlns:a16="http://schemas.microsoft.com/office/drawing/2014/main" id="{D4ACC504-3C61-B7CF-89C2-C8B6E73A9504}"/>
               </a:ext>
             </a:extLst>
           </p:cNvPr>
@@ -4469,16 +4920,19 @@
           <a:lstStyle/>
           <a:p>
             <a:r>
-              <a:rPr lang="en-US" dirty="0"/>
-              <a:t>Template to Request a TC Electronic Vote</a:t>
-            </a:r>
+              <a:rPr lang="en-US" dirty="0">
+                <a:latin typeface="Aptos"/>
+              </a:rPr>
+              <a:t>Backup Slides</a:t>
+            </a:r>
+            <a:endParaRPr lang="en-US" dirty="0"/>
           </a:p>
         </p:txBody>
       </p:sp>
     </p:spTree>
     <p:extLst>
       <p:ext uri="{BB962C8B-B14F-4D97-AF65-F5344CB8AC3E}">
-        <p14:creationId xmlns:p14="http://schemas.microsoft.com/office/powerpoint/2010/main" val="2453074074"/>
+        <p14:creationId xmlns:p14="http://schemas.microsoft.com/office/powerpoint/2010/main" val="1626960937"/>
       </p:ext>
     </p:extLst>
   </p:cSld>
@@ -5367,15 +5821,6 @@
 </file>
 
 <file path=customXml/item1.xml><?xml version="1.0" encoding="utf-8"?>
-<?mso-contentType ?>
-<FormTemplates xmlns="http://schemas.microsoft.com/sharepoint/v3/contenttype/forms">
-  <Display>DocumentLibraryForm</Display>
-  <Edit>DocumentLibraryForm</Edit>
-  <New>DocumentLibraryForm</New>
-</FormTemplates>
-</file>
-
-<file path=customXml/item2.xml><?xml version="1.0" encoding="utf-8"?>
 <ct:contentTypeSchema xmlns:ct="http://schemas.microsoft.com/office/2006/metadata/contentType" xmlns:ma="http://schemas.microsoft.com/office/2006/metadata/properties/metaAttributes" ct:_="" ma:_="" ma:contentTypeName="Document" ma:contentTypeID="0x0101002E9E3310CD124948B4E279413993BB0E" ma:contentTypeVersion="13" ma:contentTypeDescription="Create a new document." ma:contentTypeScope="" ma:versionID="0a4033e78b75580e944694f4110b9443">
   <xsd:schema xmlns:xsd="http://www.w3.org/2001/XMLSchema" xmlns:xs="http://www.w3.org/2001/XMLSchema" xmlns:p="http://schemas.microsoft.com/office/2006/metadata/properties" xmlns:ns2="d6fbc86c-d850-4140-ac77-9d31bd829bdd" xmlns:ns3="9d591f4a-b750-44ad-8ebf-06d36ba90675" targetNamespace="http://schemas.microsoft.com/office/2006/metadata/properties" ma:root="true" ma:fieldsID="efd5ec2613c3be04dd453b3842ae1d37" ns2:_="" ns3:_="">
     <xsd:import namespace="d6fbc86c-d850-4140-ac77-9d31bd829bdd"/>
@@ -5582,6 +6027,15 @@
 </ct:contentTypeSchema>
 </file>
 
+<file path=customXml/item2.xml><?xml version="1.0" encoding="utf-8"?>
+<?mso-contentType ?>
+<FormTemplates xmlns="http://schemas.microsoft.com/sharepoint/v3/contenttype/forms">
+  <Display>DocumentLibraryForm</Display>
+  <Edit>DocumentLibraryForm</Edit>
+  <New>DocumentLibraryForm</New>
+</FormTemplates>
+</file>
+
 <file path=customXml/item3.xml><?xml version="1.0" encoding="utf-8"?>
 <p:properties xmlns:p="http://schemas.microsoft.com/office/2006/metadata/properties" xmlns:xsi="http://www.w3.org/2001/XMLSchema-instance" xmlns:pc="http://schemas.microsoft.com/office/infopath/2007/PartnerControls">
   <documentManagement>
@@ -5594,14 +6048,6 @@
 </file>
 
 <file path=customXml/itemProps1.xml><?xml version="1.0" encoding="utf-8"?>
-<ds:datastoreItem xmlns:ds="http://schemas.openxmlformats.org/officeDocument/2006/customXml" ds:itemID="{A028D80A-D8F1-4E9F-96FE-EDED6B38411B}">
-  <ds:schemaRefs>
-    <ds:schemaRef ds:uri="http://schemas.microsoft.com/sharepoint/v3/contenttype/forms"/>
-  </ds:schemaRefs>
-</ds:datastoreItem>
-</file>
-
-<file path=customXml/itemProps2.xml><?xml version="1.0" encoding="utf-8"?>
 <ds:datastoreItem xmlns:ds="http://schemas.openxmlformats.org/officeDocument/2006/customXml" ds:itemID="{311F3D4D-EBA0-40F5-94E2-7634A01ED355}">
   <ds:schemaRefs>
     <ds:schemaRef ds:uri="http://schemas.microsoft.com/office/2006/metadata/contentType"/>
@@ -5620,6 +6066,14 @@
 </ds:datastoreItem>
 </file>
 
+<file path=customXml/itemProps2.xml><?xml version="1.0" encoding="utf-8"?>
+<ds:datastoreItem xmlns:ds="http://schemas.openxmlformats.org/officeDocument/2006/customXml" ds:itemID="{A028D80A-D8F1-4E9F-96FE-EDED6B38411B}">
+  <ds:schemaRefs>
+    <ds:schemaRef ds:uri="http://schemas.microsoft.com/sharepoint/v3/contenttype/forms"/>
+  </ds:schemaRefs>
+</ds:datastoreItem>
+</file>
+
 <file path=customXml/itemProps3.xml><?xml version="1.0" encoding="utf-8"?>
 <ds:datastoreItem xmlns:ds="http://schemas.openxmlformats.org/officeDocument/2006/customXml" ds:itemID="{4B83FC41-384C-4416-9A4E-6653321403C3}">
   <ds:schemaRefs>

--- a/Presentations/Boulder_2025/2025_October_Chair_Slides_GeoPoseSWG.pptx
+++ b/Presentations/Boulder_2025/2025_October_Chair_Slides_GeoPoseSWG.pptx
@@ -254,7 +254,7 @@
           <a:p>
             <a:fld id="{8028D1E4-4BBA-6F41-9D9B-7C498DFA1119}" type="datetimeFigureOut">
               <a:rPr lang="en-US" smtClean="0"/>
-              <a:t>10/20/2025</a:t>
+              <a:t>10/24/2025</a:t>
             </a:fld>
             <a:endParaRPr lang="en-US"/>
           </a:p>
@@ -431,7 +431,7 @@
           <a:p>
             <a:fld id="{761ABE01-8AD2-744F-9651-CCC9DC857332}" type="datetimeFigureOut">
               <a:rPr lang="en-US" smtClean="0"/>
-              <a:t>10/20/2025</a:t>
+              <a:t>10/24/2025</a:t>
             </a:fld>
             <a:endParaRPr lang="en-US"/>
           </a:p>
@@ -2197,7 +2197,7 @@
             <a:fld id="{1D8BD707-D9CF-40AE-B4C6-C98DA3205C09}" type="datetimeFigureOut">
               <a:rPr lang="en-US" smtClean="0"/>
               <a:pPr/>
-              <a:t>10/20/2025</a:t>
+              <a:t>10/24/2025</a:t>
             </a:fld>
             <a:endParaRPr lang="en-US" dirty="0"/>
           </a:p>
@@ -5821,6 +5821,15 @@
 </file>
 
 <file path=customXml/item1.xml><?xml version="1.0" encoding="utf-8"?>
+<?mso-contentType ?>
+<FormTemplates xmlns="http://schemas.microsoft.com/sharepoint/v3/contenttype/forms">
+  <Display>DocumentLibraryForm</Display>
+  <Edit>DocumentLibraryForm</Edit>
+  <New>DocumentLibraryForm</New>
+</FormTemplates>
+</file>
+
+<file path=customXml/item2.xml><?xml version="1.0" encoding="utf-8"?>
 <ct:contentTypeSchema xmlns:ct="http://schemas.microsoft.com/office/2006/metadata/contentType" xmlns:ma="http://schemas.microsoft.com/office/2006/metadata/properties/metaAttributes" ct:_="" ma:_="" ma:contentTypeName="Document" ma:contentTypeID="0x0101002E9E3310CD124948B4E279413993BB0E" ma:contentTypeVersion="13" ma:contentTypeDescription="Create a new document." ma:contentTypeScope="" ma:versionID="0a4033e78b75580e944694f4110b9443">
   <xsd:schema xmlns:xsd="http://www.w3.org/2001/XMLSchema" xmlns:xs="http://www.w3.org/2001/XMLSchema" xmlns:p="http://schemas.microsoft.com/office/2006/metadata/properties" xmlns:ns2="d6fbc86c-d850-4140-ac77-9d31bd829bdd" xmlns:ns3="9d591f4a-b750-44ad-8ebf-06d36ba90675" targetNamespace="http://schemas.microsoft.com/office/2006/metadata/properties" ma:root="true" ma:fieldsID="efd5ec2613c3be04dd453b3842ae1d37" ns2:_="" ns3:_="">
     <xsd:import namespace="d6fbc86c-d850-4140-ac77-9d31bd829bdd"/>
@@ -6027,15 +6036,6 @@
 </ct:contentTypeSchema>
 </file>
 
-<file path=customXml/item2.xml><?xml version="1.0" encoding="utf-8"?>
-<?mso-contentType ?>
-<FormTemplates xmlns="http://schemas.microsoft.com/sharepoint/v3/contenttype/forms">
-  <Display>DocumentLibraryForm</Display>
-  <Edit>DocumentLibraryForm</Edit>
-  <New>DocumentLibraryForm</New>
-</FormTemplates>
-</file>
-
 <file path=customXml/item3.xml><?xml version="1.0" encoding="utf-8"?>
 <p:properties xmlns:p="http://schemas.microsoft.com/office/2006/metadata/properties" xmlns:xsi="http://www.w3.org/2001/XMLSchema-instance" xmlns:pc="http://schemas.microsoft.com/office/infopath/2007/PartnerControls">
   <documentManagement>
@@ -6048,6 +6048,14 @@
 </file>
 
 <file path=customXml/itemProps1.xml><?xml version="1.0" encoding="utf-8"?>
+<ds:datastoreItem xmlns:ds="http://schemas.openxmlformats.org/officeDocument/2006/customXml" ds:itemID="{A028D80A-D8F1-4E9F-96FE-EDED6B38411B}">
+  <ds:schemaRefs>
+    <ds:schemaRef ds:uri="http://schemas.microsoft.com/sharepoint/v3/contenttype/forms"/>
+  </ds:schemaRefs>
+</ds:datastoreItem>
+</file>
+
+<file path=customXml/itemProps2.xml><?xml version="1.0" encoding="utf-8"?>
 <ds:datastoreItem xmlns:ds="http://schemas.openxmlformats.org/officeDocument/2006/customXml" ds:itemID="{311F3D4D-EBA0-40F5-94E2-7634A01ED355}">
   <ds:schemaRefs>
     <ds:schemaRef ds:uri="http://schemas.microsoft.com/office/2006/metadata/contentType"/>
@@ -6066,14 +6074,6 @@
 </ds:datastoreItem>
 </file>
 
-<file path=customXml/itemProps2.xml><?xml version="1.0" encoding="utf-8"?>
-<ds:datastoreItem xmlns:ds="http://schemas.openxmlformats.org/officeDocument/2006/customXml" ds:itemID="{A028D80A-D8F1-4E9F-96FE-EDED6B38411B}">
-  <ds:schemaRefs>
-    <ds:schemaRef ds:uri="http://schemas.microsoft.com/sharepoint/v3/contenttype/forms"/>
-  </ds:schemaRefs>
-</ds:datastoreItem>
-</file>
-
 <file path=customXml/itemProps3.xml><?xml version="1.0" encoding="utf-8"?>
 <ds:datastoreItem xmlns:ds="http://schemas.openxmlformats.org/officeDocument/2006/customXml" ds:itemID="{4B83FC41-384C-4416-9A4E-6653321403C3}">
   <ds:schemaRefs>

--- a/Presentations/Boulder_2025/2025_October_Chair_Slides_GeoPoseSWG.pptx
+++ b/Presentations/Boulder_2025/2025_October_Chair_Slides_GeoPoseSWG.pptx
@@ -254,7 +254,7 @@
           <a:p>
             <a:fld id="{8028D1E4-4BBA-6F41-9D9B-7C498DFA1119}" type="datetimeFigureOut">
               <a:rPr lang="en-US" smtClean="0"/>
-              <a:t>10/24/2025</a:t>
+              <a:t>10/27/2025</a:t>
             </a:fld>
             <a:endParaRPr lang="en-US"/>
           </a:p>
@@ -431,7 +431,7 @@
           <a:p>
             <a:fld id="{761ABE01-8AD2-744F-9651-CCC9DC857332}" type="datetimeFigureOut">
               <a:rPr lang="en-US" smtClean="0"/>
-              <a:t>10/24/2025</a:t>
+              <a:t>10/27/2025</a:t>
             </a:fld>
             <a:endParaRPr lang="en-US"/>
           </a:p>
@@ -2197,7 +2197,7 @@
             <a:fld id="{1D8BD707-D9CF-40AE-B4C6-C98DA3205C09}" type="datetimeFigureOut">
               <a:rPr lang="en-US" smtClean="0"/>
               <a:pPr/>
-              <a:t>10/24/2025</a:t>
+              <a:t>10/27/2025</a:t>
             </a:fld>
             <a:endParaRPr lang="en-US" dirty="0"/>
           </a:p>
@@ -4152,7 +4152,9 @@
               <a:buAutoNum type="arabicPeriod"/>
             </a:pPr>
             <a:r>
-              <a:rPr lang="en-US" dirty="0"/>
+              <a:rPr lang="en-US" dirty="0">
+                <a:latin typeface="+mj-lt"/>
+              </a:rPr>
               <a:t>Administrivia</a:t>
             </a:r>
           </a:p>
@@ -4162,15 +4164,21 @@
               <a:buAutoNum type="arabicPeriod"/>
             </a:pPr>
             <a:r>
-              <a:rPr lang="en-US" dirty="0"/>
+              <a:rPr lang="en-US" dirty="0">
+                <a:latin typeface="+mj-lt"/>
+              </a:rPr>
               <a:t>Review the Monday </a:t>
             </a:r>
             <a:r>
-              <a:rPr lang="en-US" dirty="0" err="1"/>
+              <a:rPr lang="en-US" dirty="0" err="1">
+                <a:latin typeface="+mj-lt"/>
+              </a:rPr>
               <a:t>GeoPose</a:t>
             </a:r>
             <a:r>
-              <a:rPr lang="en-US" dirty="0"/>
+              <a:rPr lang="en-US" dirty="0">
+                <a:latin typeface="+mj-lt"/>
+              </a:rPr>
               <a:t> Summit: Christine P. [15 minutes]</a:t>
             </a:r>
           </a:p>
@@ -4180,15 +4188,21 @@
               <a:buAutoNum type="arabicPeriod"/>
             </a:pPr>
             <a:r>
-              <a:rPr lang="en-US" dirty="0"/>
+              <a:rPr lang="en-US" dirty="0">
+                <a:latin typeface="+mj-lt"/>
+              </a:rPr>
               <a:t>Report on status of the </a:t>
             </a:r>
             <a:r>
-              <a:rPr lang="en-US" dirty="0" err="1"/>
+              <a:rPr lang="en-US" dirty="0" err="1">
+                <a:latin typeface="+mj-lt"/>
+              </a:rPr>
               <a:t>glTF</a:t>
             </a:r>
             <a:r>
-              <a:rPr lang="en-US" dirty="0"/>
+              <a:rPr lang="en-US" dirty="0">
+                <a:latin typeface="+mj-lt"/>
+              </a:rPr>
               <a:t> 2 extension: Steve S. [10 minutes]</a:t>
             </a:r>
           </a:p>
@@ -4198,16 +4212,10 @@
               <a:buAutoNum type="arabicPeriod"/>
             </a:pPr>
             <a:r>
-              <a:rPr lang="en-US" dirty="0"/>
-              <a:t>Review the </a:t>
-            </a:r>
-            <a:r>
-              <a:rPr lang="en-US" dirty="0" err="1"/>
-              <a:t>GeoPose</a:t>
-            </a:r>
-            <a:r>
-              <a:rPr lang="en-US" dirty="0"/>
-              <a:t> 1.x by Work Package: SWH/WP Leaders [15 minutes]</a:t>
+              <a:rPr lang="en-US" dirty="0">
+                <a:latin typeface="+mj-lt"/>
+              </a:rPr>
+              <a:t>Presentation on Cost/benefit Analysis of Standards Features: Jim Antonisse [15 minutes]</a:t>
             </a:r>
           </a:p>
           <a:p>
@@ -4217,8 +4225,19 @@
             </a:pPr>
             <a:r>
               <a:rPr lang="en-US" dirty="0"/>
-              <a:t>Presentation on Cost/benefit Analysis of Standards Features: Jim Antonisse [15 minutes]</a:t>
-            </a:r>
+              <a:t>Review the </a:t>
+            </a:r>
+            <a:r>
+              <a:rPr lang="en-US" dirty="0" err="1"/>
+              <a:t>GeoPose</a:t>
+            </a:r>
+            <a:r>
+              <a:rPr lang="en-US" dirty="0"/>
+              <a:t> 1.x by Work Package: SWH/WP Leaders [15 minutes]</a:t>
+            </a:r>
+            <a:endParaRPr lang="en-US" dirty="0">
+              <a:latin typeface="+mj-lt"/>
+            </a:endParaRPr>
           </a:p>
           <a:p>
             <a:pPr marL="514350" indent="-514350">
@@ -4226,8 +4245,10 @@
               <a:buAutoNum type="arabicPeriod"/>
             </a:pPr>
             <a:r>
-              <a:rPr lang="en-US" dirty="0"/>
-              <a:t>Note on MSF benchmarking (if time allows) [5 minutes]</a:t>
+              <a:rPr lang="en-US" dirty="0">
+                <a:latin typeface="+mj-lt"/>
+              </a:rPr>
+              <a:t>Note on MSF benchmarking [5 minutes]</a:t>
             </a:r>
           </a:p>
           <a:p>
@@ -4236,7 +4257,36 @@
               <a:buAutoNum type="arabicPeriod"/>
             </a:pPr>
             <a:r>
+              <a:rPr lang="en-US" dirty="0">
+                <a:latin typeface="+mj-lt"/>
+              </a:rPr>
+              <a:t>Uncertainty </a:t>
+            </a:r>
+            <a:r>
               <a:rPr lang="en-US" dirty="0"/>
+              <a:t>[</a:t>
+            </a:r>
+            <a:r>
+              <a:rPr lang="en-US" sz="3600" dirty="0"/>
+              <a:t>∞</a:t>
+            </a:r>
+            <a:r>
+              <a:rPr lang="en-US" dirty="0"/>
+              <a:t> minutes]</a:t>
+            </a:r>
+            <a:endParaRPr lang="en-US" dirty="0">
+              <a:latin typeface="+mj-lt"/>
+            </a:endParaRPr>
+          </a:p>
+          <a:p>
+            <a:pPr marL="514350" indent="-514350">
+              <a:buFont typeface="+mj-lt"/>
+              <a:buAutoNum type="arabicPeriod"/>
+            </a:pPr>
+            <a:r>
+              <a:rPr lang="en-US" dirty="0">
+                <a:latin typeface="+mj-lt"/>
+              </a:rPr>
               <a:t>Any other business and next meetings</a:t>
             </a:r>
           </a:p>
@@ -4326,17 +4376,27 @@
           <a:p>
             <a:r>
               <a:rPr lang="en-US" dirty="0"/>
-              <a:t>Chairs: please write a series of bullets to describe what your Working Group does – this should be presented at the beginning of each session</a:t>
+              <a:t>The </a:t>
+            </a:r>
+            <a:r>
+              <a:rPr lang="en-US" dirty="0" err="1"/>
+              <a:t>GeoPose</a:t>
+            </a:r>
+            <a:r>
+              <a:rPr lang="en-US" dirty="0"/>
+              <a:t> SWG maintains the </a:t>
+            </a:r>
+            <a:r>
+              <a:rPr lang="en-US" dirty="0" err="1"/>
+              <a:t>GeoPose</a:t>
+            </a:r>
+            <a:r>
+              <a:rPr lang="en-US" dirty="0"/>
+              <a:t> 1.0 standard and is working on updated versions based on implementation experience and feedback.</a:t>
             </a:r>
           </a:p>
           <a:p>
             <a:endParaRPr lang="en-US" dirty="0"/>
-          </a:p>
-          <a:p>
-            <a:r>
-              <a:rPr lang="en-US" dirty="0"/>
-              <a:t>No need to be comprehensive or spend more than a few minutes, consider what you want new attendees to learn</a:t>
-            </a:r>
           </a:p>
         </p:txBody>
       </p:sp>
@@ -4488,15 +4548,21 @@
               <a:buAutoNum type="arabicParenR"/>
             </a:pPr>
             <a:r>
-              <a:rPr lang="en-US" dirty="0"/>
+              <a:rPr lang="en-US" dirty="0">
+                <a:latin typeface="+mj-lt"/>
+              </a:rPr>
               <a:t>Christine P.:  </a:t>
             </a:r>
             <a:r>
-              <a:rPr lang="en-US" dirty="0" err="1"/>
+              <a:rPr lang="en-US" dirty="0" err="1">
+                <a:latin typeface="+mj-lt"/>
+              </a:rPr>
               <a:t>GeoPose</a:t>
             </a:r>
             <a:r>
-              <a:rPr lang="en-US" dirty="0"/>
+              <a:rPr lang="en-US" dirty="0">
+                <a:latin typeface="+mj-lt"/>
+              </a:rPr>
               <a:t> Summit [15 minutes]</a:t>
             </a:r>
           </a:p>
@@ -4506,15 +4572,21 @@
               <a:buAutoNum type="arabicParenR"/>
             </a:pPr>
             <a:r>
-              <a:rPr lang="en-US" dirty="0"/>
-              <a:t>Steve S.: Status of the </a:t>
-            </a:r>
-            <a:r>
-              <a:rPr lang="en-US" dirty="0" err="1"/>
+              <a:rPr lang="en-US" dirty="0">
+                <a:latin typeface="+mj-lt"/>
+              </a:rPr>
+              <a:t>Steve S.: Khronos </a:t>
+            </a:r>
+            <a:r>
+              <a:rPr lang="en-US" dirty="0" err="1">
+                <a:latin typeface="+mj-lt"/>
+              </a:rPr>
               <a:t>glTF</a:t>
             </a:r>
             <a:r>
-              <a:rPr lang="en-US" dirty="0"/>
+              <a:rPr lang="en-US" dirty="0">
+                <a:latin typeface="+mj-lt"/>
+              </a:rPr>
               <a:t> 2 Extension [10 minutes]</a:t>
             </a:r>
           </a:p>
@@ -4524,8 +4596,10 @@
               <a:buAutoNum type="arabicParenR"/>
             </a:pPr>
             <a:r>
-              <a:rPr lang="en-US" dirty="0"/>
-              <a:t>Jim A.: Cost/benefit Analysis of Standards Features [15 minutes]</a:t>
+              <a:rPr lang="en-US" dirty="0">
+                <a:latin typeface="+mj-lt"/>
+              </a:rPr>
+              <a:t>Jim A.: Cost/benefit Analysis of Standards Features [20 minutes]</a:t>
             </a:r>
           </a:p>
           <a:p>
@@ -4534,16 +4608,22 @@
               <a:buAutoNum type="arabicParenR"/>
             </a:pPr>
             <a:r>
-              <a:rPr lang="en-US" dirty="0"/>
+              <a:rPr lang="en-US" dirty="0">
+                <a:latin typeface="+mj-lt"/>
+              </a:rPr>
               <a:t>SWG/WP Leaders: </a:t>
             </a:r>
             <a:r>
-              <a:rPr lang="en-US" dirty="0" err="1"/>
+              <a:rPr lang="en-US" dirty="0" err="1">
+                <a:latin typeface="+mj-lt"/>
+              </a:rPr>
               <a:t>GeoPose</a:t>
             </a:r>
             <a:r>
-              <a:rPr lang="en-US" dirty="0"/>
-              <a:t> 1.x by Work Package [15 minutes]</a:t>
+              <a:rPr lang="en-US" dirty="0">
+                <a:latin typeface="+mj-lt"/>
+              </a:rPr>
+              <a:t> 1.x by Work Package [20 minutes]</a:t>
             </a:r>
           </a:p>
           <a:p>
@@ -4552,7 +4632,9 @@
               <a:buAutoNum type="arabicParenR"/>
             </a:pPr>
             <a:r>
-              <a:rPr lang="en-US" dirty="0"/>
+              <a:rPr lang="en-US" dirty="0">
+                <a:latin typeface="+mj-lt"/>
+              </a:rPr>
               <a:t> [Are there any that we should close due to lack of interest?]</a:t>
             </a:r>
           </a:p>
@@ -4562,8 +4644,65 @@
               <a:buAutoNum type="arabicParenR"/>
             </a:pPr>
             <a:r>
+              <a:rPr lang="en-US" dirty="0">
+                <a:latin typeface="+mj-lt"/>
+              </a:rPr>
+              <a:t>[Are there any where we need a leader?]</a:t>
+            </a:r>
+          </a:p>
+          <a:p>
+            <a:pPr marL="0" indent="0">
+              <a:buNone/>
+            </a:pPr>
+            <a:r>
               <a:rPr lang="en-US" dirty="0"/>
-              <a:t>[Are there any where we need a leader?]</a:t>
+              <a:t>5) MSF benchmarking update [5 minutes]</a:t>
+            </a:r>
+          </a:p>
+          <a:p>
+            <a:pPr marL="0" indent="0">
+              <a:buNone/>
+            </a:pPr>
+            <a:r>
+              <a:rPr lang="en-US" dirty="0"/>
+              <a:t>6) Discussion on Uncertainty: [</a:t>
+            </a:r>
+            <a:r>
+              <a:rPr lang="en-US" sz="3600" b="1" dirty="0">
+                <a:latin typeface="+mj-lt"/>
+              </a:rPr>
+              <a:t>∞</a:t>
+            </a:r>
+            <a:r>
+              <a:rPr lang="en-US" dirty="0"/>
+              <a:t> minutes]</a:t>
+            </a:r>
+          </a:p>
+          <a:p>
+            <a:pPr marL="0" indent="0">
+              <a:buNone/>
+            </a:pPr>
+            <a:r>
+              <a:rPr lang="en-US" dirty="0"/>
+              <a:t>         a. Goals and expected products</a:t>
+            </a:r>
+          </a:p>
+          <a:p>
+            <a:pPr marL="0" indent="0">
+              <a:buNone/>
+            </a:pPr>
+            <a:r>
+              <a:rPr lang="en-US" dirty="0"/>
+              <a:t>         b. How to get there</a:t>
+            </a:r>
+          </a:p>
+          <a:p>
+            <a:pPr marL="0" indent="0">
+              <a:buNone/>
+            </a:pPr>
+            <a:r>
+              <a:rPr lang="en-US" dirty="0"/>
+              <a:t>         c. What’s happening and will happen  in the VPS benchmarking with Uncertainty</a:t>
             </a:r>
           </a:p>
           <a:p>
@@ -5821,15 +5960,6 @@
 </file>
 
 <file path=customXml/item1.xml><?xml version="1.0" encoding="utf-8"?>
-<?mso-contentType ?>
-<FormTemplates xmlns="http://schemas.microsoft.com/sharepoint/v3/contenttype/forms">
-  <Display>DocumentLibraryForm</Display>
-  <Edit>DocumentLibraryForm</Edit>
-  <New>DocumentLibraryForm</New>
-</FormTemplates>
-</file>
-
-<file path=customXml/item2.xml><?xml version="1.0" encoding="utf-8"?>
 <ct:contentTypeSchema xmlns:ct="http://schemas.microsoft.com/office/2006/metadata/contentType" xmlns:ma="http://schemas.microsoft.com/office/2006/metadata/properties/metaAttributes" ct:_="" ma:_="" ma:contentTypeName="Document" ma:contentTypeID="0x0101002E9E3310CD124948B4E279413993BB0E" ma:contentTypeVersion="13" ma:contentTypeDescription="Create a new document." ma:contentTypeScope="" ma:versionID="0a4033e78b75580e944694f4110b9443">
   <xsd:schema xmlns:xsd="http://www.w3.org/2001/XMLSchema" xmlns:xs="http://www.w3.org/2001/XMLSchema" xmlns:p="http://schemas.microsoft.com/office/2006/metadata/properties" xmlns:ns2="d6fbc86c-d850-4140-ac77-9d31bd829bdd" xmlns:ns3="9d591f4a-b750-44ad-8ebf-06d36ba90675" targetNamespace="http://schemas.microsoft.com/office/2006/metadata/properties" ma:root="true" ma:fieldsID="efd5ec2613c3be04dd453b3842ae1d37" ns2:_="" ns3:_="">
     <xsd:import namespace="d6fbc86c-d850-4140-ac77-9d31bd829bdd"/>
@@ -6036,6 +6166,15 @@
 </ct:contentTypeSchema>
 </file>
 
+<file path=customXml/item2.xml><?xml version="1.0" encoding="utf-8"?>
+<?mso-contentType ?>
+<FormTemplates xmlns="http://schemas.microsoft.com/sharepoint/v3/contenttype/forms">
+  <Display>DocumentLibraryForm</Display>
+  <Edit>DocumentLibraryForm</Edit>
+  <New>DocumentLibraryForm</New>
+</FormTemplates>
+</file>
+
 <file path=customXml/item3.xml><?xml version="1.0" encoding="utf-8"?>
 <p:properties xmlns:p="http://schemas.microsoft.com/office/2006/metadata/properties" xmlns:xsi="http://www.w3.org/2001/XMLSchema-instance" xmlns:pc="http://schemas.microsoft.com/office/infopath/2007/PartnerControls">
   <documentManagement>
@@ -6048,14 +6187,6 @@
 </file>
 
 <file path=customXml/itemProps1.xml><?xml version="1.0" encoding="utf-8"?>
-<ds:datastoreItem xmlns:ds="http://schemas.openxmlformats.org/officeDocument/2006/customXml" ds:itemID="{A028D80A-D8F1-4E9F-96FE-EDED6B38411B}">
-  <ds:schemaRefs>
-    <ds:schemaRef ds:uri="http://schemas.microsoft.com/sharepoint/v3/contenttype/forms"/>
-  </ds:schemaRefs>
-</ds:datastoreItem>
-</file>
-
-<file path=customXml/itemProps2.xml><?xml version="1.0" encoding="utf-8"?>
 <ds:datastoreItem xmlns:ds="http://schemas.openxmlformats.org/officeDocument/2006/customXml" ds:itemID="{311F3D4D-EBA0-40F5-94E2-7634A01ED355}">
   <ds:schemaRefs>
     <ds:schemaRef ds:uri="http://schemas.microsoft.com/office/2006/metadata/contentType"/>
@@ -6074,6 +6205,14 @@
 </ds:datastoreItem>
 </file>
 
+<file path=customXml/itemProps2.xml><?xml version="1.0" encoding="utf-8"?>
+<ds:datastoreItem xmlns:ds="http://schemas.openxmlformats.org/officeDocument/2006/customXml" ds:itemID="{A028D80A-D8F1-4E9F-96FE-EDED6B38411B}">
+  <ds:schemaRefs>
+    <ds:schemaRef ds:uri="http://schemas.microsoft.com/sharepoint/v3/contenttype/forms"/>
+  </ds:schemaRefs>
+</ds:datastoreItem>
+</file>
+
 <file path=customXml/itemProps3.xml><?xml version="1.0" encoding="utf-8"?>
 <ds:datastoreItem xmlns:ds="http://schemas.openxmlformats.org/officeDocument/2006/customXml" ds:itemID="{4B83FC41-384C-4416-9A4E-6653321403C3}">
   <ds:schemaRefs>
